--- a/FinalProject_JCM_230.pptx
+++ b/FinalProject_JCM_230.pptx
@@ -123,14 +123,6 @@
     </p:ext>
   </p:extLst>
 </p:presentation>
-</file>
-
-<file path=ppt/revisionInfo.xml><?xml version="1.0" encoding="utf-8"?>
-<p1510:revInfo xmlns:a="http://schemas.openxmlformats.org/drawingml/2006/main" xmlns:r="http://schemas.openxmlformats.org/officeDocument/2006/relationships" xmlns:p1510="http://schemas.microsoft.com/office/powerpoint/2015/10/main">
-  <p1510:revLst>
-    <p1510:client id="{908E3EDE-0028-490F-86E4-95C1D938A9D6}" v="41" dt="2019-08-29T00:12:08.261"/>
-  </p1510:revLst>
-</p1510:revInfo>
 </file>
 
 <file path=ppt/slideLayouts/slideLayout1.xml><?xml version="1.0" encoding="utf-8"?>
@@ -6405,10 +6397,15 @@
             <p:ph idx="1"/>
           </p:nvPr>
         </p:nvSpPr>
-        <p:spPr/>
+        <p:spPr>
+          <a:xfrm>
+            <a:off x="1097280" y="1845733"/>
+            <a:ext cx="10058400" cy="4281689"/>
+          </a:xfrm>
+        </p:spPr>
         <p:txBody>
           <a:bodyPr>
-            <a:normAutofit/>
+            <a:normAutofit lnSpcReduction="10000"/>
           </a:bodyPr>
           <a:lstStyle/>
           <a:p>
@@ -6485,6 +6482,22 @@
               <a:rPr lang="en-US" dirty="0"/>
               <a:t>) and expand to others later</a:t>
             </a:r>
+          </a:p>
+          <a:p>
+            <a:pPr lvl="1">
+              <a:lnSpc>
+                <a:spcPct val="150000"/>
+              </a:lnSpc>
+            </a:pPr>
+            <a:r>
+              <a:rPr lang="en-US" dirty="0"/>
+              <a:t>Data was manually extracted and uploaded to </a:t>
+            </a:r>
+            <a:r>
+              <a:rPr lang="en-US" dirty="0" err="1"/>
+              <a:t>databricks</a:t>
+            </a:r>
+            <a:endParaRPr lang="en-US" dirty="0"/>
           </a:p>
           <a:p>
             <a:endParaRPr lang="en-US" dirty="0"/>
